--- a/source/05. Build Alpha Factors for Stock Portfolios_song.pptx
+++ b/source/05. Build Alpha Factors for Stock Portfolios_song.pptx
@@ -118,6 +118,11 @@
       </a:defRPr>
     </a:lvl9pPr>
   </p:defaultTextStyle>
+  <p:extLst>
+    <p:ext uri="{EFAFB233-063F-42B5-8137-9DF3F51BA10A}">
+      <p15:sldGuideLst xmlns:p15="http://schemas.microsoft.com/office/powerpoint/2012/main"/>
+    </p:ext>
+  </p:extLst>
 </p:presentation>
 </file>
 
@@ -268,7 +273,7 @@
           <a:p>
             <a:fld id="{1C39435F-5179-CB4C-B8E4-62E7C9BB32EC}" type="datetimeFigureOut">
               <a:rPr kumimoji="1" lang="ko-KR" altLang="en-US" smtClean="0"/>
-              <a:t>2025. 1. 17.</a:t>
+              <a:t>2025. 1. 18.</a:t>
             </a:fld>
             <a:endParaRPr kumimoji="1" lang="ko-KR" altLang="en-US"/>
           </a:p>
@@ -466,7 +471,7 @@
           <a:p>
             <a:fld id="{1C39435F-5179-CB4C-B8E4-62E7C9BB32EC}" type="datetimeFigureOut">
               <a:rPr kumimoji="1" lang="ko-KR" altLang="en-US" smtClean="0"/>
-              <a:t>2025. 1. 17.</a:t>
+              <a:t>2025. 1. 18.</a:t>
             </a:fld>
             <a:endParaRPr kumimoji="1" lang="ko-KR" altLang="en-US"/>
           </a:p>
@@ -674,7 +679,7 @@
           <a:p>
             <a:fld id="{1C39435F-5179-CB4C-B8E4-62E7C9BB32EC}" type="datetimeFigureOut">
               <a:rPr kumimoji="1" lang="ko-KR" altLang="en-US" smtClean="0"/>
-              <a:t>2025. 1. 17.</a:t>
+              <a:t>2025. 1. 18.</a:t>
             </a:fld>
             <a:endParaRPr kumimoji="1" lang="ko-KR" altLang="en-US"/>
           </a:p>
@@ -872,7 +877,7 @@
           <a:p>
             <a:fld id="{1C39435F-5179-CB4C-B8E4-62E7C9BB32EC}" type="datetimeFigureOut">
               <a:rPr kumimoji="1" lang="ko-KR" altLang="en-US" smtClean="0"/>
-              <a:t>2025. 1. 17.</a:t>
+              <a:t>2025. 1. 18.</a:t>
             </a:fld>
             <a:endParaRPr kumimoji="1" lang="ko-KR" altLang="en-US"/>
           </a:p>
@@ -1147,7 +1152,7 @@
           <a:p>
             <a:fld id="{1C39435F-5179-CB4C-B8E4-62E7C9BB32EC}" type="datetimeFigureOut">
               <a:rPr kumimoji="1" lang="ko-KR" altLang="en-US" smtClean="0"/>
-              <a:t>2025. 1. 17.</a:t>
+              <a:t>2025. 1. 18.</a:t>
             </a:fld>
             <a:endParaRPr kumimoji="1" lang="ko-KR" altLang="en-US"/>
           </a:p>
@@ -1412,7 +1417,7 @@
           <a:p>
             <a:fld id="{1C39435F-5179-CB4C-B8E4-62E7C9BB32EC}" type="datetimeFigureOut">
               <a:rPr kumimoji="1" lang="ko-KR" altLang="en-US" smtClean="0"/>
-              <a:t>2025. 1. 17.</a:t>
+              <a:t>2025. 1. 18.</a:t>
             </a:fld>
             <a:endParaRPr kumimoji="1" lang="ko-KR" altLang="en-US"/>
           </a:p>
@@ -1824,7 +1829,7 @@
           <a:p>
             <a:fld id="{1C39435F-5179-CB4C-B8E4-62E7C9BB32EC}" type="datetimeFigureOut">
               <a:rPr kumimoji="1" lang="ko-KR" altLang="en-US" smtClean="0"/>
-              <a:t>2025. 1. 17.</a:t>
+              <a:t>2025. 1. 18.</a:t>
             </a:fld>
             <a:endParaRPr kumimoji="1" lang="ko-KR" altLang="en-US"/>
           </a:p>
@@ -1965,7 +1970,7 @@
           <a:p>
             <a:fld id="{1C39435F-5179-CB4C-B8E4-62E7C9BB32EC}" type="datetimeFigureOut">
               <a:rPr kumimoji="1" lang="ko-KR" altLang="en-US" smtClean="0"/>
-              <a:t>2025. 1. 17.</a:t>
+              <a:t>2025. 1. 18.</a:t>
             </a:fld>
             <a:endParaRPr kumimoji="1" lang="ko-KR" altLang="en-US"/>
           </a:p>
@@ -2078,7 +2083,7 @@
           <a:p>
             <a:fld id="{1C39435F-5179-CB4C-B8E4-62E7C9BB32EC}" type="datetimeFigureOut">
               <a:rPr kumimoji="1" lang="ko-KR" altLang="en-US" smtClean="0"/>
-              <a:t>2025. 1. 17.</a:t>
+              <a:t>2025. 1. 18.</a:t>
             </a:fld>
             <a:endParaRPr kumimoji="1" lang="ko-KR" altLang="en-US"/>
           </a:p>
@@ -2389,7 +2394,7 @@
           <a:p>
             <a:fld id="{1C39435F-5179-CB4C-B8E4-62E7C9BB32EC}" type="datetimeFigureOut">
               <a:rPr kumimoji="1" lang="ko-KR" altLang="en-US" smtClean="0"/>
-              <a:t>2025. 1. 17.</a:t>
+              <a:t>2025. 1. 18.</a:t>
             </a:fld>
             <a:endParaRPr kumimoji="1" lang="ko-KR" altLang="en-US"/>
           </a:p>
@@ -2677,7 +2682,7 @@
           <a:p>
             <a:fld id="{1C39435F-5179-CB4C-B8E4-62E7C9BB32EC}" type="datetimeFigureOut">
               <a:rPr kumimoji="1" lang="ko-KR" altLang="en-US" smtClean="0"/>
-              <a:t>2025. 1. 17.</a:t>
+              <a:t>2025. 1. 18.</a:t>
             </a:fld>
             <a:endParaRPr kumimoji="1" lang="ko-KR" altLang="en-US"/>
           </a:p>
@@ -2918,7 +2923,7 @@
           <a:p>
             <a:fld id="{1C39435F-5179-CB4C-B8E4-62E7C9BB32EC}" type="datetimeFigureOut">
               <a:rPr kumimoji="1" lang="ko-KR" altLang="en-US" smtClean="0"/>
-              <a:t>2025. 1. 17.</a:t>
+              <a:t>2025. 1. 18.</a:t>
             </a:fld>
             <a:endParaRPr kumimoji="1" lang="ko-KR" altLang="en-US"/>
           </a:p>
@@ -4386,7 +4391,7 @@
         <p:spPr/>
         <p:txBody>
           <a:bodyPr>
-            <a:normAutofit/>
+            <a:normAutofit lnSpcReduction="10000"/>
           </a:bodyPr>
           <a:lstStyle/>
           <a:p>
@@ -4505,12 +4510,28 @@
               <a:rPr lang="en-US" altLang="ko-KR" dirty="0">
                 <a:latin typeface="+mj-lt"/>
               </a:rPr>
-              <a:t>(Market Factor): </a:t>
+              <a:t>(Market Factor,</a:t>
             </a:r>
             <a:r>
               <a:rPr lang="ko-KR" altLang="en-US" dirty="0">
                 <a:latin typeface="+mj-lt"/>
               </a:rPr>
+              <a:t> </a:t>
+            </a:r>
+            <a:r>
+              <a:rPr lang="en-US" altLang="ko-KR" dirty="0"/>
+              <a:t>MKT</a:t>
+            </a:r>
+            <a:r>
+              <a:rPr lang="en-US" altLang="ko-KR" dirty="0">
+                <a:latin typeface="+mj-lt"/>
+              </a:rPr>
+              <a:t>): </a:t>
+            </a:r>
+            <a:r>
+              <a:rPr lang="ko-KR" altLang="en-US" dirty="0">
+                <a:latin typeface="+mj-lt"/>
+              </a:rPr>
               <a:t>시장 전체 수익률과의 상관성</a:t>
             </a:r>
             <a:r>
@@ -4519,6 +4540,15 @@
               </a:rPr>
               <a:t>.</a:t>
             </a:r>
+            <a:r>
+              <a:rPr lang="ko-KR" altLang="en-US" dirty="0">
+                <a:latin typeface="+mj-lt"/>
+              </a:rPr>
+              <a:t> </a:t>
+            </a:r>
+            <a:endParaRPr lang="en-US" altLang="ko-KR" dirty="0">
+              <a:latin typeface="+mj-lt"/>
+            </a:endParaRPr>
           </a:p>
           <a:p>
             <a:pPr lvl="2"/>
@@ -4532,12 +4562,28 @@
               <a:rPr lang="en-US" altLang="ko-KR" dirty="0">
                 <a:latin typeface="+mj-lt"/>
               </a:rPr>
-              <a:t>(Size Factor): </a:t>
+              <a:t>(Size Factor,</a:t>
             </a:r>
             <a:r>
               <a:rPr lang="ko-KR" altLang="en-US" dirty="0">
                 <a:latin typeface="+mj-lt"/>
               </a:rPr>
+              <a:t> </a:t>
+            </a:r>
+            <a:r>
+              <a:rPr lang="en-US" altLang="ko-KR" dirty="0"/>
+              <a:t>SMB (Small Minus Big)</a:t>
+            </a:r>
+            <a:r>
+              <a:rPr lang="en-US" altLang="ko-KR" dirty="0">
+                <a:latin typeface="+mj-lt"/>
+              </a:rPr>
+              <a:t>): </a:t>
+            </a:r>
+            <a:r>
+              <a:rPr lang="ko-KR" altLang="en-US" dirty="0">
+                <a:latin typeface="+mj-lt"/>
+              </a:rPr>
               <a:t>소형주</a:t>
             </a:r>
             <a:r>
@@ -4558,6 +4604,15 @@
               </a:rPr>
               <a:t>(Large Cap).</a:t>
             </a:r>
+            <a:r>
+              <a:rPr lang="ko-KR" altLang="en-US" dirty="0">
+                <a:latin typeface="+mj-lt"/>
+              </a:rPr>
+              <a:t> </a:t>
+            </a:r>
+            <a:endParaRPr lang="en-US" altLang="ko-KR" dirty="0">
+              <a:latin typeface="+mj-lt"/>
+            </a:endParaRPr>
           </a:p>
           <a:p>
             <a:pPr lvl="2"/>
@@ -4571,12 +4626,28 @@
               <a:rPr lang="en-US" altLang="ko-KR" dirty="0">
                 <a:latin typeface="+mj-lt"/>
               </a:rPr>
-              <a:t>(Value Factor): </a:t>
+              <a:t>(Value Factor,</a:t>
             </a:r>
             <a:r>
               <a:rPr lang="ko-KR" altLang="en-US" dirty="0">
                 <a:latin typeface="+mj-lt"/>
               </a:rPr>
+              <a:t> </a:t>
+            </a:r>
+            <a:r>
+              <a:rPr lang="en-US" altLang="ko-KR" dirty="0"/>
+              <a:t>HML (High Minus Low)</a:t>
+            </a:r>
+            <a:r>
+              <a:rPr lang="en-US" altLang="ko-KR" dirty="0">
+                <a:latin typeface="+mj-lt"/>
+              </a:rPr>
+              <a:t>): </a:t>
+            </a:r>
+            <a:r>
+              <a:rPr lang="ko-KR" altLang="en-US" dirty="0">
+                <a:latin typeface="+mj-lt"/>
+              </a:rPr>
               <a:t>고시장가치</a:t>
             </a:r>
             <a:r>
@@ -4621,6 +4692,15 @@
               </a:rPr>
               <a:t>).</a:t>
             </a:r>
+            <a:r>
+              <a:rPr lang="ko-KR" altLang="en-US" dirty="0">
+                <a:latin typeface="+mj-lt"/>
+              </a:rPr>
+              <a:t> </a:t>
+            </a:r>
+            <a:endParaRPr lang="en-US" altLang="ko-KR" dirty="0">
+              <a:latin typeface="+mj-lt"/>
+            </a:endParaRPr>
           </a:p>
           <a:p>
             <a:r>
@@ -4812,7 +4892,11 @@
           <a:p>
             <a:r>
               <a:rPr kumimoji="1" lang="en-US" altLang="ko-KR" sz="1800" dirty="0"/>
-              <a:t>MCAR</a:t>
+              <a:t>MCAR(</a:t>
+            </a:r>
+            <a:r>
+              <a:rPr lang="en-US" altLang="ko-KR" sz="1800" dirty="0"/>
+              <a:t>Missing Completely At Random)</a:t>
             </a:r>
             <a:r>
               <a:rPr kumimoji="1" lang="ko-KR" altLang="en-US" sz="1800" dirty="0"/>
@@ -5238,6 +5322,18 @@
           <a:p>
             <a:pPr lvl="1"/>
             <a:r>
+              <a:rPr lang="en-US" altLang="ko-KR" sz="1800" dirty="0"/>
+              <a:t>(</a:t>
+            </a:r>
+            <a:r>
+              <a:rPr lang="ko-KR" altLang="en-US" sz="1800" dirty="0"/>
+              <a:t>과거 데이터로 볼 때</a:t>
+            </a:r>
+            <a:r>
+              <a:rPr lang="en-US" altLang="ko-KR" sz="1800" dirty="0"/>
+              <a:t>)</a:t>
+            </a:r>
+            <a:r>
               <a:rPr lang="ko-KR" altLang="en-US" sz="1800" dirty="0"/>
               <a:t>낮은 변동성 주식이 높은 수익을 낼 가능성이 더 크다</a:t>
             </a:r>
@@ -5357,6 +5453,44 @@
           <a:p>
             <a:pPr lvl="1"/>
             <a:r>
+              <a:rPr lang="ko-KR" altLang="en-US" sz="1600" dirty="0" err="1"/>
+              <a:t>파킨슨</a:t>
+            </a:r>
+            <a:r>
+              <a:rPr lang="ko-KR" altLang="en-US" sz="1600" dirty="0"/>
+              <a:t> 변동성 사용</a:t>
+            </a:r>
+            <a:r>
+              <a:rPr lang="en-US" altLang="ko-KR" sz="1600" dirty="0"/>
+              <a:t>:</a:t>
+            </a:r>
+          </a:p>
+          <a:p>
+            <a:pPr lvl="2"/>
+            <a:r>
+              <a:rPr lang="ko-KR" altLang="en-US" sz="1400" dirty="0"/>
+              <a:t>고가와 저가를 기반으로 변동성을 더 정확하게 측정</a:t>
+            </a:r>
+            <a:r>
+              <a:rPr lang="en-US" altLang="ko-KR" sz="1400" dirty="0"/>
+              <a:t>.</a:t>
+            </a:r>
+          </a:p>
+          <a:p>
+            <a:pPr lvl="2"/>
+            <a:r>
+              <a:rPr lang="ko-KR" altLang="en-US" sz="1400" dirty="0"/>
+              <a:t>고가와 저가는 종가보다 더 많은 가격 정보를 포함</a:t>
+            </a:r>
+            <a:r>
+              <a:rPr lang="en-US" altLang="ko-KR" sz="1400" dirty="0"/>
+              <a:t>.</a:t>
+            </a:r>
+            <a:endParaRPr lang="en-US" altLang="ko-KR" sz="1600" dirty="0"/>
+          </a:p>
+          <a:p>
+            <a:pPr lvl="1"/>
+            <a:r>
               <a:rPr lang="ko-KR" altLang="en-US" sz="1600" dirty="0"/>
               <a:t>미래 수익률 계산</a:t>
             </a:r>
@@ -5450,44 +5584,6 @@
               <a:rPr lang="en-US" altLang="ko-KR" sz="1400" dirty="0"/>
               <a:t>.</a:t>
             </a:r>
-          </a:p>
-          <a:p>
-            <a:pPr lvl="1"/>
-            <a:r>
-              <a:rPr lang="ko-KR" altLang="en-US" sz="1600" dirty="0" err="1"/>
-              <a:t>파킨슨</a:t>
-            </a:r>
-            <a:r>
-              <a:rPr lang="ko-KR" altLang="en-US" sz="1600" dirty="0"/>
-              <a:t> 변동성 사용</a:t>
-            </a:r>
-            <a:r>
-              <a:rPr lang="en-US" altLang="ko-KR" sz="1600" dirty="0"/>
-              <a:t>:</a:t>
-            </a:r>
-          </a:p>
-          <a:p>
-            <a:pPr lvl="2"/>
-            <a:r>
-              <a:rPr lang="ko-KR" altLang="en-US" sz="1400" dirty="0"/>
-              <a:t>고가와 저가를 기반으로 변동성을 더 정확하게 측정</a:t>
-            </a:r>
-            <a:r>
-              <a:rPr lang="en-US" altLang="ko-KR" sz="1400" dirty="0"/>
-              <a:t>.</a:t>
-            </a:r>
-          </a:p>
-          <a:p>
-            <a:pPr lvl="2"/>
-            <a:r>
-              <a:rPr lang="ko-KR" altLang="en-US" sz="1400" dirty="0"/>
-              <a:t>고가와 저가는 종가보다 더 많은 가격 정보를 포함</a:t>
-            </a:r>
-            <a:r>
-              <a:rPr lang="en-US" altLang="ko-KR" sz="1400" dirty="0"/>
-              <a:t>.</a:t>
-            </a:r>
-            <a:endParaRPr lang="ko-KR" altLang="en-US" sz="1400" dirty="0"/>
           </a:p>
         </p:txBody>
       </p:sp>
@@ -7636,7 +7732,7 @@
               <a:rPr lang="en-US" altLang="ko-KR" sz="2000" b="1" dirty="0">
                 <a:latin typeface="+mj-lt"/>
               </a:rPr>
-              <a:t>E.g. : </a:t>
+              <a:t>e.g. : </a:t>
             </a:r>
             <a:r>
               <a:rPr lang="ko-KR" altLang="en-US" sz="2000" dirty="0">
